--- a/BusinessPlan_prezentacija_DECORARTE.pptx
+++ b/BusinessPlan_prezentacija_DECORARTE.pptx
@@ -113,6 +113,11 @@
       </a:defRPr>
     </a:lvl9pPr>
   </p:defaultTextStyle>
+  <p:extLst>
+    <p:ext uri="{EFAFB233-063F-42B5-8137-9DF3F51BA10A}">
+      <p15:sldGuideLst xmlns:p15="http://schemas.microsoft.com/office/powerpoint/2012/main"/>
+    </p:ext>
+  </p:extLst>
 </p:presentation>
 </file>
 
@@ -247,7 +252,7 @@
           <a:p>
             <a:fld id="{B7756CDA-6F50-4611-B829-BDF021320C4A}" type="datetimeFigureOut">
               <a:rPr lang="en-GB" smtClean="0"/>
-              <a:t>28/01/2020</a:t>
+              <a:t>29/01/2020</a:t>
             </a:fld>
             <a:endParaRPr lang="en-GB"/>
           </a:p>
@@ -417,7 +422,7 @@
           <a:p>
             <a:fld id="{B7756CDA-6F50-4611-B829-BDF021320C4A}" type="datetimeFigureOut">
               <a:rPr lang="en-GB" smtClean="0"/>
-              <a:t>28/01/2020</a:t>
+              <a:t>29/01/2020</a:t>
             </a:fld>
             <a:endParaRPr lang="en-GB"/>
           </a:p>
@@ -597,7 +602,7 @@
           <a:p>
             <a:fld id="{B7756CDA-6F50-4611-B829-BDF021320C4A}" type="datetimeFigureOut">
               <a:rPr lang="en-GB" smtClean="0"/>
-              <a:t>28/01/2020</a:t>
+              <a:t>29/01/2020</a:t>
             </a:fld>
             <a:endParaRPr lang="en-GB"/>
           </a:p>
@@ -767,7 +772,7 @@
           <a:p>
             <a:fld id="{B7756CDA-6F50-4611-B829-BDF021320C4A}" type="datetimeFigureOut">
               <a:rPr lang="en-GB" smtClean="0"/>
-              <a:t>28/01/2020</a:t>
+              <a:t>29/01/2020</a:t>
             </a:fld>
             <a:endParaRPr lang="en-GB"/>
           </a:p>
@@ -1013,7 +1018,7 @@
           <a:p>
             <a:fld id="{B7756CDA-6F50-4611-B829-BDF021320C4A}" type="datetimeFigureOut">
               <a:rPr lang="en-GB" smtClean="0"/>
-              <a:t>28/01/2020</a:t>
+              <a:t>29/01/2020</a:t>
             </a:fld>
             <a:endParaRPr lang="en-GB"/>
           </a:p>
@@ -1245,7 +1250,7 @@
           <a:p>
             <a:fld id="{B7756CDA-6F50-4611-B829-BDF021320C4A}" type="datetimeFigureOut">
               <a:rPr lang="en-GB" smtClean="0"/>
-              <a:t>28/01/2020</a:t>
+              <a:t>29/01/2020</a:t>
             </a:fld>
             <a:endParaRPr lang="en-GB"/>
           </a:p>
@@ -1612,7 +1617,7 @@
           <a:p>
             <a:fld id="{B7756CDA-6F50-4611-B829-BDF021320C4A}" type="datetimeFigureOut">
               <a:rPr lang="en-GB" smtClean="0"/>
-              <a:t>28/01/2020</a:t>
+              <a:t>29/01/2020</a:t>
             </a:fld>
             <a:endParaRPr lang="en-GB"/>
           </a:p>
@@ -1730,7 +1735,7 @@
           <a:p>
             <a:fld id="{B7756CDA-6F50-4611-B829-BDF021320C4A}" type="datetimeFigureOut">
               <a:rPr lang="en-GB" smtClean="0"/>
-              <a:t>28/01/2020</a:t>
+              <a:t>29/01/2020</a:t>
             </a:fld>
             <a:endParaRPr lang="en-GB"/>
           </a:p>
@@ -1825,7 +1830,7 @@
           <a:p>
             <a:fld id="{B7756CDA-6F50-4611-B829-BDF021320C4A}" type="datetimeFigureOut">
               <a:rPr lang="en-GB" smtClean="0"/>
-              <a:t>28/01/2020</a:t>
+              <a:t>29/01/2020</a:t>
             </a:fld>
             <a:endParaRPr lang="en-GB"/>
           </a:p>
@@ -2102,7 +2107,7 @@
           <a:p>
             <a:fld id="{B7756CDA-6F50-4611-B829-BDF021320C4A}" type="datetimeFigureOut">
               <a:rPr lang="en-GB" smtClean="0"/>
-              <a:t>28/01/2020</a:t>
+              <a:t>29/01/2020</a:t>
             </a:fld>
             <a:endParaRPr lang="en-GB"/>
           </a:p>
@@ -2355,7 +2360,7 @@
           <a:p>
             <a:fld id="{B7756CDA-6F50-4611-B829-BDF021320C4A}" type="datetimeFigureOut">
               <a:rPr lang="en-GB" smtClean="0"/>
-              <a:t>28/01/2020</a:t>
+              <a:t>29/01/2020</a:t>
             </a:fld>
             <a:endParaRPr lang="en-GB"/>
           </a:p>
@@ -2568,7 +2573,7 @@
           <a:p>
             <a:fld id="{B7756CDA-6F50-4611-B829-BDF021320C4A}" type="datetimeFigureOut">
               <a:rPr lang="en-GB" smtClean="0"/>
-              <a:t>28/01/2020</a:t>
+              <a:t>29/01/2020</a:t>
             </a:fld>
             <a:endParaRPr lang="en-GB"/>
           </a:p>
@@ -3185,8 +3190,8 @@
         </p:nvSpPr>
         <p:spPr>
           <a:xfrm>
-            <a:off x="1113933" y="214607"/>
-            <a:ext cx="9649905" cy="2821806"/>
+            <a:off x="1113933" y="214606"/>
+            <a:ext cx="9649905" cy="5987785"/>
           </a:xfrm>
         </p:spPr>
         <p:txBody>
@@ -3201,7 +3206,15 @@
                   <a:schemeClr val="bg1"/>
                 </a:solidFill>
               </a:rPr>
-              <a:t>Thank you for your attention!</a:t>
+              <a:t>Thank you for your attention</a:t>
+            </a:r>
+            <a:r>
+              <a:rPr lang="en-US" sz="3600" b="1" dirty="0" smtClean="0">
+                <a:solidFill>
+                  <a:schemeClr val="bg1"/>
+                </a:solidFill>
+              </a:rPr>
+              <a:t>!</a:t>
             </a:r>
             <a:br>
               <a:rPr lang="en-US" sz="3600" b="1" dirty="0" smtClean="0">
@@ -3211,13 +3224,81 @@
               </a:rPr>
             </a:br>
             <a:r>
-              <a:rPr lang="en-US" sz="2000" b="1" dirty="0" smtClean="0">
+              <a:rPr lang="en-US" sz="3600" b="1" dirty="0">
                 <a:solidFill>
                   <a:schemeClr val="bg1"/>
                 </a:solidFill>
               </a:rPr>
-              <a:t>Please provide feedback.</a:t>
-            </a:r>
+              <a:t/>
+            </a:r>
+            <a:br>
+              <a:rPr lang="en-US" sz="3600" b="1" dirty="0">
+                <a:solidFill>
+                  <a:schemeClr val="bg1"/>
+                </a:solidFill>
+              </a:rPr>
+            </a:br>
+            <a:r>
+              <a:rPr lang="en-US" sz="3600" b="1" dirty="0" smtClean="0">
+                <a:solidFill>
+                  <a:schemeClr val="bg1"/>
+                </a:solidFill>
+              </a:rPr>
+              <a:t/>
+            </a:r>
+            <a:br>
+              <a:rPr lang="en-US" sz="3600" b="1" dirty="0" smtClean="0">
+                <a:solidFill>
+                  <a:schemeClr val="bg1"/>
+                </a:solidFill>
+              </a:rPr>
+            </a:br>
+            <a:r>
+              <a:rPr lang="en-US" sz="2200" b="1" dirty="0" smtClean="0">
+                <a:solidFill>
+                  <a:schemeClr val="bg1"/>
+                </a:solidFill>
+              </a:rPr>
+              <a:t>Any questions or feedback?</a:t>
+            </a:r>
+            <a:br>
+              <a:rPr lang="en-US" sz="2200" b="1" dirty="0" smtClean="0">
+                <a:solidFill>
+                  <a:schemeClr val="bg1"/>
+                </a:solidFill>
+              </a:rPr>
+            </a:br>
+            <a:r>
+              <a:rPr lang="en-US" sz="2200" b="1" dirty="0" smtClean="0">
+                <a:solidFill>
+                  <a:schemeClr val="bg1"/>
+                </a:solidFill>
+              </a:rPr>
+              <a:t>Ask now or reach me on </a:t>
+            </a:r>
+            <a:r>
+              <a:rPr lang="en-US" sz="2000" b="1" dirty="0">
+                <a:solidFill>
+                  <a:schemeClr val="bg1"/>
+                </a:solidFill>
+              </a:rPr>
+              <a:t>jana_milutinovic@yahoo.com</a:t>
+            </a:r>
+            <a:r>
+              <a:rPr lang="en-GB" sz="2000" dirty="0">
+                <a:solidFill>
+                  <a:schemeClr val="bg1"/>
+                </a:solidFill>
+              </a:rPr>
+              <a:t/>
+            </a:r>
+            <a:br>
+              <a:rPr lang="en-GB" sz="2000" dirty="0">
+                <a:solidFill>
+                  <a:schemeClr val="bg1"/>
+                </a:solidFill>
+              </a:rPr>
+            </a:br>
             <a:endParaRPr lang="en-GB" sz="2000" b="1" dirty="0">
               <a:solidFill>
                 <a:schemeClr val="bg1"/>
@@ -6346,12 +6427,6 @@
               </a:rPr>
               <a:t>	</a:t>
             </a:r>
-            <a:endParaRPr lang="en-GB" b="0" i="0" u="none" strike="noStrike" baseline="0" dirty="0" smtClean="0">
-              <a:solidFill>
-                <a:srgbClr val="000000"/>
-              </a:solidFill>
-              <a:latin typeface="Corbel" panose="020B0503020204020204" pitchFamily="34" charset="0"/>
-            </a:endParaRPr>
           </a:p>
         </p:txBody>
       </p:sp>
@@ -6364,7 +6439,7 @@
           <p:nvPr>
             <p:extLst>
               <p:ext uri="{D42A27DB-BD31-4B8C-83A1-F6EECF244321}">
-                <p14:modId xmlns:p14="http://schemas.microsoft.com/office/powerpoint/2010/main" val="712363759"/>
+                <p14:modId xmlns:p14="http://schemas.microsoft.com/office/powerpoint/2010/main" val="2918738362"/>
               </p:ext>
             </p:extLst>
           </p:nvPr>
@@ -6537,7 +6612,7 @@
                           </a:solidFill>
                           <a:latin typeface="Corbel" panose="020B0503020204020204" pitchFamily="34" charset="0"/>
                         </a:rPr>
-                        <a:t>3000 </a:t>
+                        <a:t>3000 EUR</a:t>
                       </a:r>
                       <a:endParaRPr lang="en-GB" dirty="0"/>
                     </a:p>
@@ -6624,7 +6699,7 @@
                           </a:solidFill>
                           <a:latin typeface="Corbel" panose="020B0503020204020204" pitchFamily="34" charset="0"/>
                         </a:rPr>
-                        <a:t>1000 </a:t>
+                        <a:t>1000 EUR</a:t>
                       </a:r>
                       <a:endParaRPr lang="en-GB" dirty="0"/>
                     </a:p>
@@ -6711,7 +6786,7 @@
                           </a:solidFill>
                           <a:latin typeface="Corbel" panose="020B0503020204020204" pitchFamily="34" charset="0"/>
                         </a:rPr>
-                        <a:t>600 </a:t>
+                        <a:t>600 EUR</a:t>
                       </a:r>
                       <a:endParaRPr lang="en-GB" dirty="0"/>
                     </a:p>
@@ -6794,7 +6869,7 @@
                           </a:solidFill>
                           <a:latin typeface="Corbel" panose="020B0503020204020204" pitchFamily="34" charset="0"/>
                         </a:rPr>
-                        <a:t>500 </a:t>
+                        <a:t>500 EUR </a:t>
                       </a:r>
                       <a:endParaRPr lang="en-GB" dirty="0"/>
                     </a:p>
@@ -6853,15 +6928,15 @@
                     <a:lstStyle/>
                     <a:p>
                       <a:r>
-                        <a:rPr lang="fr-FR" b="0" i="0" u="none" strike="noStrike" baseline="0" dirty="0" smtClean="0">
+                        <a:rPr lang="fr-FR" b="1" i="0" u="none" strike="noStrike" baseline="0" dirty="0" smtClean="0">
                           <a:solidFill>
                             <a:srgbClr val="000000"/>
                           </a:solidFill>
                           <a:latin typeface="Corbel" panose="020B0503020204020204" pitchFamily="34" charset="0"/>
                         </a:rPr>
-                        <a:t>4100 </a:t>
+                        <a:t>4100 EUR</a:t>
                       </a:r>
-                      <a:endParaRPr lang="en-GB" dirty="0"/>
+                      <a:endParaRPr lang="en-GB" b="1" dirty="0"/>
                     </a:p>
                   </a:txBody>
                   <a:tcPr/>
